--- a/doc/Class diagram.pptx
+++ b/doc/Class diagram.pptx
@@ -3314,8 +3314,8 @@
         </p:nvGrpSpPr>
         <p:grpSpPr>
           <a:xfrm>
-            <a:off x="4485603" y="4737100"/>
-            <a:ext cx="1529970" cy="1477328"/>
+            <a:off x="4325257" y="4737100"/>
+            <a:ext cx="1690316" cy="1477328"/>
             <a:chOff x="-627427" y="1020055"/>
             <a:chExt cx="3072183" cy="2000042"/>
           </a:xfrm>
@@ -3348,8 +3348,8 @@
             <a:lstStyle/>
             <a:p>
               <a:r>
-                <a:rPr lang="en-US" altLang="ko-KR" err="1" smtClean="0"/>
-                <a:t>Nhbank</a:t>
+                <a:rPr lang="en-US" altLang="ko-KR" smtClean="0"/>
+                <a:t>NHBank</a:t>
               </a:r>
               <a:endParaRPr lang="en-US" altLang="ko-KR" smtClean="0"/>
             </a:p>
@@ -3359,10 +3359,14 @@
             <a:p>
               <a:r>
                 <a:rPr lang="en-US" altLang="ko-KR" smtClean="0"/>
-                <a:t>Interest</a:t>
+                <a:t>Interest=0.21</a:t>
               </a:r>
             </a:p>
             <a:p>
+              <a:r>
+                <a:rPr lang="en-US" altLang="ko-KR" smtClean="0"/>
+                <a:t>INIT = “5”</a:t>
+              </a:r>
               <a:endParaRPr lang="en-US" altLang="ko-KR" smtClean="0"/>
             </a:p>
             <a:p>
@@ -3414,8 +3418,8 @@
         </p:nvGrpSpPr>
         <p:grpSpPr>
           <a:xfrm>
-            <a:off x="1781671" y="4734428"/>
-            <a:ext cx="2524526" cy="1477328"/>
+            <a:off x="1955839" y="4734428"/>
+            <a:ext cx="2236964" cy="1477328"/>
             <a:chOff x="-590552" y="931077"/>
             <a:chExt cx="3035308" cy="1684245"/>
           </a:xfrm>
@@ -3537,8 +3541,8 @@
         </p:nvCxnSpPr>
         <p:spPr>
           <a:xfrm>
-            <a:off x="5259770" y="4152898"/>
-            <a:ext cx="3231513" cy="0"/>
+            <a:off x="5170414" y="4152898"/>
+            <a:ext cx="3320869" cy="1"/>
           </a:xfrm>
           <a:prstGeom prst="line">
             <a:avLst/>
@@ -3742,20 +3746,16 @@
             </a:p>
             <a:p>
               <a:r>
-                <a:rPr lang="en-US" altLang="ko-KR" err="1" smtClean="0"/>
-                <a:t>haveAccount</a:t>
+                <a:rPr lang="en-US" altLang="ko-KR" smtClean="0"/>
+                <a:t>createClient()</a:t>
               </a:r>
-              <a:r>
-                <a:rPr lang="en-US" altLang="ko-KR" smtClean="0"/>
-                <a:t>()</a:t>
-              </a:r>
+              <a:endParaRPr lang="en-US" altLang="ko-KR"/>
             </a:p>
             <a:p>
               <a:r>
                 <a:rPr lang="en-US" altLang="ko-KR" smtClean="0"/>
-                <a:t>…</a:t>
+                <a:t>deleteClient()</a:t>
               </a:r>
-              <a:endParaRPr lang="en-US" altLang="ko-KR"/>
             </a:p>
           </p:txBody>
         </p:sp>
@@ -3804,7 +3804,7 @@
         <p:spPr>
           <a:xfrm>
             <a:off x="332049" y="333116"/>
-            <a:ext cx="1841500" cy="469900"/>
+            <a:ext cx="2933666" cy="469900"/>
           </a:xfrm>
           <a:prstGeom prst="roundRect">
             <a:avLst/>
@@ -3850,7 +3850,7 @@
                   </a:outerShdw>
                 </a:effectLst>
               </a:rPr>
-              <a:t>Console(View)</a:t>
+              <a:t>Console(MainSequence)</a:t>
             </a:r>
             <a:endParaRPr lang="ko-KR" altLang="en-US">
               <a:solidFill>
@@ -3950,8 +3950,8 @@
         </p:nvSpPr>
         <p:spPr>
           <a:xfrm>
-            <a:off x="3000532" y="318682"/>
-            <a:ext cx="6190936" cy="469900"/>
+            <a:off x="4548420" y="318682"/>
+            <a:ext cx="3637637" cy="469900"/>
           </a:xfrm>
           <a:prstGeom prst="rect">
             <a:avLst/>
@@ -3995,10 +3995,10 @@
         </p:nvGrpSpPr>
         <p:grpSpPr>
           <a:xfrm>
-            <a:off x="7816868" y="4734428"/>
-            <a:ext cx="1528231" cy="1477328"/>
-            <a:chOff x="-637806" y="1012973"/>
-            <a:chExt cx="3068691" cy="2000042"/>
+            <a:off x="7816867" y="4734428"/>
+            <a:ext cx="1640404" cy="1477328"/>
+            <a:chOff x="-637808" y="1012973"/>
+            <a:chExt cx="3068693" cy="2000042"/>
           </a:xfrm>
         </p:grpSpPr>
         <p:sp>
@@ -4009,8 +4009,8 @@
           </p:nvSpPr>
           <p:spPr>
             <a:xfrm>
-              <a:off x="-637806" y="1012973"/>
-              <a:ext cx="3035300" cy="2000042"/>
+              <a:off x="-637808" y="1012973"/>
+              <a:ext cx="3068691" cy="2000042"/>
             </a:xfrm>
             <a:prstGeom prst="rect">
               <a:avLst/>
@@ -4029,8 +4029,12 @@
             <a:lstStyle/>
             <a:p>
               <a:r>
-                <a:rPr lang="en-US" altLang="ko-KR" err="1" smtClean="0"/>
-                <a:t>wooribank</a:t>
+                <a:rPr lang="en-US" altLang="ko-KR" err="1"/>
+                <a:t>W</a:t>
+              </a:r>
+              <a:r>
+                <a:rPr lang="en-US" altLang="ko-KR" smtClean="0"/>
+                <a:t>ooribank</a:t>
               </a:r>
               <a:endParaRPr lang="en-US" altLang="ko-KR" smtClean="0"/>
             </a:p>
@@ -4038,9 +4042,17 @@
               <a:endParaRPr lang="en-US" altLang="ko-KR" smtClean="0"/>
             </a:p>
             <a:p>
+              <a:r>
+                <a:rPr lang="en-US" altLang="ko-KR" smtClean="0"/>
+                <a:t>Interest=0.18</a:t>
+              </a:r>
               <a:endParaRPr lang="en-US" altLang="ko-KR"/>
             </a:p>
             <a:p>
+              <a:r>
+                <a:rPr lang="en-US" altLang="ko-KR" smtClean="0"/>
+                <a:t>INIT = “9”</a:t>
+              </a:r>
               <a:endParaRPr lang="en-US" altLang="ko-KR" smtClean="0"/>
             </a:p>
             <a:p>
@@ -4092,8 +4104,8 @@
         </p:nvGrpSpPr>
         <p:grpSpPr>
           <a:xfrm>
-            <a:off x="6130257" y="4734429"/>
-            <a:ext cx="1511606" cy="1477328"/>
+            <a:off x="6081486" y="4734429"/>
+            <a:ext cx="1676492" cy="1477328"/>
             <a:chOff x="-590552" y="1020055"/>
             <a:chExt cx="3035308" cy="2000042"/>
           </a:xfrm>
@@ -4107,7 +4119,7 @@
           <p:spPr>
             <a:xfrm>
               <a:off x="-590548" y="1020055"/>
-              <a:ext cx="3035300" cy="2000042"/>
+              <a:ext cx="3035301" cy="2000042"/>
             </a:xfrm>
             <a:prstGeom prst="rect">
               <a:avLst/>
@@ -4126,8 +4138,8 @@
             <a:lstStyle/>
             <a:p>
               <a:r>
-                <a:rPr lang="en-US" altLang="ko-KR" err="1" smtClean="0"/>
-                <a:t>Kbbank</a:t>
+                <a:rPr lang="en-US" altLang="ko-KR" smtClean="0"/>
+                <a:t>KBBank</a:t>
               </a:r>
               <a:endParaRPr lang="en-US" altLang="ko-KR" smtClean="0"/>
             </a:p>
@@ -4135,9 +4147,17 @@
               <a:endParaRPr lang="en-US" altLang="ko-KR" smtClean="0"/>
             </a:p>
             <a:p>
-              <a:endParaRPr lang="en-US" altLang="ko-KR" smtClean="0"/>
+              <a:r>
+                <a:rPr lang="en-US" altLang="ko-KR" smtClean="0"/>
+                <a:t>Interest=0.12</a:t>
+              </a:r>
+              <a:endParaRPr lang="en-US" altLang="ko-KR"/>
             </a:p>
             <a:p>
+              <a:r>
+                <a:rPr lang="en-US" altLang="ko-KR" smtClean="0"/>
+                <a:t>INIT = “3”</a:t>
+              </a:r>
               <a:endParaRPr lang="en-US" altLang="ko-KR"/>
             </a:p>
             <a:p>
@@ -4221,8 +4241,8 @@
         </p:nvCxnSpPr>
         <p:spPr>
           <a:xfrm flipV="1">
-            <a:off x="5250587" y="4165668"/>
-            <a:ext cx="9183" cy="571432"/>
+            <a:off x="5170414" y="4152898"/>
+            <a:ext cx="0" cy="584202"/>
           </a:xfrm>
           <a:prstGeom prst="line">
             <a:avLst/>
@@ -4253,9 +4273,9 @@
           <p:nvPr/>
         </p:nvCxnSpPr>
         <p:spPr>
-          <a:xfrm flipV="1">
-            <a:off x="3043934" y="3031647"/>
-            <a:ext cx="24937" cy="1702781"/>
+          <a:xfrm flipH="1" flipV="1">
+            <a:off x="3068871" y="3031647"/>
+            <a:ext cx="5450" cy="1702781"/>
           </a:xfrm>
           <a:prstGeom prst="straightConnector1">
             <a:avLst/>

--- a/doc/Class diagram.pptx
+++ b/doc/Class diagram.pptx
@@ -2977,7 +2977,7 @@
         </p:nvGrpSpPr>
         <p:grpSpPr>
           <a:xfrm>
-            <a:off x="5704121" y="1308098"/>
+            <a:off x="5994406" y="1308098"/>
             <a:ext cx="2374900" cy="1723549"/>
             <a:chOff x="6997700" y="1193800"/>
             <a:chExt cx="3035300" cy="1574646"/>
@@ -3047,7 +3047,7 @@
             <a:p>
               <a:r>
                 <a:rPr lang="en-US" altLang="ko-KR" smtClean="0"/>
-                <a:t>…</a:t>
+                <a:t>…etc</a:t>
               </a:r>
               <a:endParaRPr lang="en-US" altLang="ko-KR"/>
             </a:p>
@@ -3097,10 +3097,10 @@
         </p:nvGrpSpPr>
         <p:grpSpPr>
           <a:xfrm>
-            <a:off x="9599720" y="4734427"/>
-            <a:ext cx="1915515" cy="1593801"/>
+            <a:off x="9890005" y="4734427"/>
+            <a:ext cx="1915515" cy="1369606"/>
             <a:chOff x="9779000" y="1193800"/>
-            <a:chExt cx="2336800" cy="1391097"/>
+            <a:chExt cx="2336800" cy="1071234"/>
           </a:xfrm>
         </p:grpSpPr>
         <p:sp>
@@ -3112,7 +3112,7 @@
           <p:spPr>
             <a:xfrm>
               <a:off x="9779000" y="1193800"/>
-              <a:ext cx="2336800" cy="1391097"/>
+              <a:ext cx="2336800" cy="1071234"/>
             </a:xfrm>
             <a:prstGeom prst="rect">
               <a:avLst/>
@@ -3132,8 +3132,9 @@
             <a:p>
               <a:r>
                 <a:rPr lang="en-US" altLang="ko-KR" sz="2000" smtClean="0"/>
-                <a:t>Account</a:t>
+                <a:t>Account1,2,3…</a:t>
               </a:r>
+              <a:endParaRPr lang="en-US" altLang="ko-KR" sz="2000" smtClean="0"/>
             </a:p>
             <a:p>
               <a:endParaRPr lang="en-US" altLang="ko-KR" sz="900"/>
@@ -3165,15 +3166,9 @@
               </a:r>
               <a:r>
                 <a:rPr lang="en-US" altLang="ko-KR" smtClean="0"/>
-                <a:t>()</a:t>
+                <a:t>()…etc</a:t>
               </a:r>
-            </a:p>
-            <a:p>
-              <a:r>
-                <a:rPr lang="en-US" altLang="ko-KR" smtClean="0"/>
-                <a:t>…</a:t>
-              </a:r>
-              <a:endParaRPr lang="en-US" altLang="ko-KR"/>
+              <a:endParaRPr lang="en-US" altLang="ko-KR" smtClean="0"/>
             </a:p>
           </p:txBody>
         </p:sp>
@@ -3185,7 +3180,7 @@
           </p:nvCxnSpPr>
           <p:spPr>
             <a:xfrm>
-              <a:off x="9779000" y="1553825"/>
+              <a:off x="9779000" y="1518593"/>
               <a:ext cx="2336800" cy="0"/>
             </a:xfrm>
             <a:prstGeom prst="line">
@@ -3221,7 +3216,7 @@
         </p:nvGrpSpPr>
         <p:grpSpPr>
           <a:xfrm>
-            <a:off x="8079021" y="1678857"/>
+            <a:off x="8369306" y="1678857"/>
             <a:ext cx="1308100" cy="273092"/>
             <a:chOff x="8470900" y="1577259"/>
             <a:chExt cx="1308100" cy="273092"/>
@@ -3314,7 +3309,7 @@
         </p:nvGrpSpPr>
         <p:grpSpPr>
           <a:xfrm>
-            <a:off x="4325257" y="4737100"/>
+            <a:off x="4615542" y="4737100"/>
             <a:ext cx="1690316" cy="1477328"/>
             <a:chOff x="-627427" y="1020055"/>
             <a:chExt cx="3072183" cy="2000042"/>
@@ -3418,7 +3413,7 @@
         </p:nvGrpSpPr>
         <p:grpSpPr>
           <a:xfrm>
-            <a:off x="1955839" y="4734428"/>
+            <a:off x="2246124" y="4734428"/>
             <a:ext cx="2236964" cy="1477328"/>
             <a:chOff x="-590552" y="931077"/>
             <a:chExt cx="3035308" cy="1684245"/>
@@ -3541,7 +3536,7 @@
         </p:nvCxnSpPr>
         <p:spPr>
           <a:xfrm>
-            <a:off x="5170414" y="4152898"/>
+            <a:off x="5460699" y="4152898"/>
             <a:ext cx="3320869" cy="1"/>
           </a:xfrm>
           <a:prstGeom prst="line">
@@ -3571,7 +3566,7 @@
         </p:nvCxnSpPr>
         <p:spPr>
           <a:xfrm>
-            <a:off x="6894745" y="4152898"/>
+            <a:off x="7185030" y="4152898"/>
             <a:ext cx="0" cy="584202"/>
           </a:xfrm>
           <a:prstGeom prst="line">
@@ -3601,7 +3596,7 @@
         </p:nvSpPr>
         <p:spPr>
           <a:xfrm>
-            <a:off x="6682021" y="3898898"/>
+            <a:off x="6972306" y="3898898"/>
             <a:ext cx="431800" cy="254000"/>
           </a:xfrm>
           <a:prstGeom prst="triangle">
@@ -3647,7 +3642,7 @@
         </p:nvCxnSpPr>
         <p:spPr>
           <a:xfrm flipH="1" flipV="1">
-            <a:off x="6891571" y="3031647"/>
+            <a:off x="7181856" y="3031647"/>
             <a:ext cx="6350" cy="867251"/>
           </a:xfrm>
           <a:prstGeom prst="line">
@@ -3677,7 +3672,7 @@
         </p:nvGrpSpPr>
         <p:grpSpPr>
           <a:xfrm>
-            <a:off x="1881421" y="1308098"/>
+            <a:off x="2171706" y="1308098"/>
             <a:ext cx="2374900" cy="1723549"/>
             <a:chOff x="6997700" y="1193800"/>
             <a:chExt cx="3035300" cy="1574646"/>
@@ -3812,9 +3807,7 @@
           <a:noFill/>
           <a:ln w="12700">
             <a:solidFill>
-              <a:schemeClr val="accent1">
-                <a:alpha val="70000"/>
-              </a:schemeClr>
+              <a:schemeClr val="accent1"/>
             </a:solidFill>
           </a:ln>
         </p:spPr>
@@ -3839,11 +3832,6 @@
             <a:pPr algn="ctr"/>
             <a:r>
               <a:rPr lang="en-US" altLang="ko-KR" smtClean="0">
-                <a:solidFill>
-                  <a:schemeClr val="dk1">
-                    <a:alpha val="26000"/>
-                  </a:schemeClr>
-                </a:solidFill>
                 <a:effectLst>
                   <a:outerShdw sx="1000" sy="1000" algn="ctr" rotWithShape="0">
                     <a:srgbClr val="000000"/>
@@ -3853,11 +3841,6 @@
               <a:t>Console(MainSequence)</a:t>
             </a:r>
             <a:endParaRPr lang="ko-KR" altLang="en-US">
-              <a:solidFill>
-                <a:schemeClr val="dk1">
-                  <a:alpha val="26000"/>
-                </a:schemeClr>
-              </a:solidFill>
               <a:effectLst>
                 <a:outerShdw sx="1000" sy="1000" algn="ctr" rotWithShape="0">
                   <a:srgbClr val="000000"/>
@@ -3874,18 +3857,16 @@
           <p:nvPr/>
         </p:nvCxnSpPr>
         <p:spPr>
-          <a:xfrm>
-            <a:off x="1202924" y="803016"/>
-            <a:ext cx="0" cy="986042"/>
+          <a:xfrm flipH="1">
+            <a:off x="1696409" y="1088571"/>
+            <a:ext cx="1762" cy="700487"/>
           </a:xfrm>
           <a:prstGeom prst="line">
             <a:avLst/>
           </a:prstGeom>
           <a:ln>
             <a:solidFill>
-              <a:schemeClr val="accent1">
-                <a:alpha val="60000"/>
-              </a:schemeClr>
+              <a:schemeClr val="accent1"/>
             </a:solidFill>
           </a:ln>
         </p:spPr>
@@ -3912,17 +3893,15 @@
         </p:nvCxnSpPr>
         <p:spPr>
           <a:xfrm>
-            <a:off x="1202924" y="1789058"/>
-            <a:ext cx="678497" cy="2"/>
+            <a:off x="1698171" y="1789058"/>
+            <a:ext cx="473535" cy="2"/>
           </a:xfrm>
           <a:prstGeom prst="straightConnector1">
             <a:avLst/>
           </a:prstGeom>
           <a:ln>
             <a:solidFill>
-              <a:schemeClr val="accent1">
-                <a:alpha val="60000"/>
-              </a:schemeClr>
+              <a:schemeClr val="accent1"/>
             </a:solidFill>
             <a:tailEnd type="triangle"/>
           </a:ln>
@@ -3942,51 +3921,6 @@
           </a:fontRef>
         </p:style>
       </p:cxnSp>
-      <p:sp>
-        <p:nvSpPr>
-          <p:cNvPr id="81" name="직사각형 80"/>
-          <p:cNvSpPr/>
-          <p:nvPr/>
-        </p:nvSpPr>
-        <p:spPr>
-          <a:xfrm>
-            <a:off x="4548420" y="318682"/>
-            <a:ext cx="3637637" cy="469900"/>
-          </a:xfrm>
-          <a:prstGeom prst="rect">
-            <a:avLst/>
-          </a:prstGeom>
-          <a:ln w="12700">
-            <a:noFill/>
-          </a:ln>
-        </p:spPr>
-        <p:style>
-          <a:lnRef idx="2">
-            <a:schemeClr val="dk1"/>
-          </a:lnRef>
-          <a:fillRef idx="1">
-            <a:schemeClr val="lt1"/>
-          </a:fillRef>
-          <a:effectRef idx="0">
-            <a:schemeClr val="dk1"/>
-          </a:effectRef>
-          <a:fontRef idx="minor">
-            <a:schemeClr val="dk1"/>
-          </a:fontRef>
-        </p:style>
-        <p:txBody>
-          <a:bodyPr rtlCol="0" anchor="ctr"/>
-          <a:lstStyle/>
-          <a:p>
-            <a:pPr algn="ctr"/>
-            <a:r>
-              <a:rPr lang="en-US" altLang="ko-KR" sz="3600" smtClean="0"/>
-              <a:t>Class diagram</a:t>
-            </a:r>
-            <a:endParaRPr lang="ko-KR" altLang="en-US" sz="3600"/>
-          </a:p>
-        </p:txBody>
-      </p:sp>
       <p:grpSp>
         <p:nvGrpSpPr>
           <p:cNvPr id="82" name="그룹 81"/>
@@ -3995,7 +3929,7 @@
         </p:nvGrpSpPr>
         <p:grpSpPr>
           <a:xfrm>
-            <a:off x="7816867" y="4734428"/>
+            <a:off x="8107152" y="4734428"/>
             <a:ext cx="1640404" cy="1477328"/>
             <a:chOff x="-637808" y="1012973"/>
             <a:chExt cx="3068693" cy="2000042"/>
@@ -4104,7 +4038,7 @@
         </p:nvGrpSpPr>
         <p:grpSpPr>
           <a:xfrm>
-            <a:off x="6081486" y="4734429"/>
+            <a:off x="6371771" y="4734429"/>
             <a:ext cx="1676492" cy="1477328"/>
             <a:chOff x="-590552" y="1020055"/>
             <a:chExt cx="3035308" cy="2000042"/>
@@ -4209,7 +4143,7 @@
         </p:nvCxnSpPr>
         <p:spPr>
           <a:xfrm>
-            <a:off x="8492668" y="4165667"/>
+            <a:off x="8782953" y="4165667"/>
             <a:ext cx="0" cy="602011"/>
           </a:xfrm>
           <a:prstGeom prst="line">
@@ -4241,7 +4175,7 @@
         </p:nvCxnSpPr>
         <p:spPr>
           <a:xfrm flipV="1">
-            <a:off x="5170414" y="4152898"/>
+            <a:off x="5460699" y="4152898"/>
             <a:ext cx="0" cy="584202"/>
           </a:xfrm>
           <a:prstGeom prst="line">
@@ -4274,7 +4208,7 @@
         </p:nvCxnSpPr>
         <p:spPr>
           <a:xfrm flipH="1" flipV="1">
-            <a:off x="3068871" y="3031647"/>
+            <a:off x="3359156" y="3031647"/>
             <a:ext cx="5450" cy="1702781"/>
           </a:xfrm>
           <a:prstGeom prst="straightConnector1">
@@ -4301,106 +4235,13 @@
       </p:cxnSp>
       <p:grpSp>
         <p:nvGrpSpPr>
-          <p:cNvPr id="6" name="그룹 5"/>
-          <p:cNvGrpSpPr/>
-          <p:nvPr/>
-        </p:nvGrpSpPr>
-        <p:grpSpPr>
-          <a:xfrm>
-            <a:off x="4256321" y="1667529"/>
-            <a:ext cx="1447800" cy="273092"/>
-            <a:chOff x="4648200" y="1565931"/>
-            <a:chExt cx="1447800" cy="273092"/>
-          </a:xfrm>
-        </p:grpSpPr>
-        <p:sp>
-          <p:nvSpPr>
-            <p:cNvPr id="47" name="다이아몬드 46"/>
-            <p:cNvSpPr/>
-            <p:nvPr/>
-          </p:nvSpPr>
-          <p:spPr>
-            <a:xfrm>
-              <a:off x="4648200" y="1565931"/>
-              <a:ext cx="292100" cy="273092"/>
-            </a:xfrm>
-            <a:prstGeom prst="diamond">
-              <a:avLst/>
-            </a:prstGeom>
-            <a:solidFill>
-              <a:schemeClr val="bg1"/>
-            </a:solidFill>
-          </p:spPr>
-          <p:style>
-            <a:lnRef idx="2">
-              <a:schemeClr val="accent1">
-                <a:shade val="50000"/>
-              </a:schemeClr>
-            </a:lnRef>
-            <a:fillRef idx="1">
-              <a:schemeClr val="accent1"/>
-            </a:fillRef>
-            <a:effectRef idx="0">
-              <a:schemeClr val="accent1"/>
-            </a:effectRef>
-            <a:fontRef idx="minor">
-              <a:schemeClr val="lt1"/>
-            </a:fontRef>
-          </p:style>
-          <p:txBody>
-            <a:bodyPr rtlCol="0" anchor="ctr"/>
-            <a:lstStyle/>
-            <a:p>
-              <a:pPr algn="ctr"/>
-              <a:endParaRPr lang="ko-KR" altLang="en-US"/>
-            </a:p>
-          </p:txBody>
-        </p:sp>
-        <p:cxnSp>
-          <p:nvCxnSpPr>
-            <p:cNvPr id="50" name="직선 화살표 연결선 49"/>
-            <p:cNvCxnSpPr>
-              <a:stCxn id="47" idx="3"/>
-            </p:cNvCxnSpPr>
-            <p:nvPr/>
-          </p:nvCxnSpPr>
-          <p:spPr>
-            <a:xfrm>
-              <a:off x="4940300" y="1702477"/>
-              <a:ext cx="1155700" cy="11328"/>
-            </a:xfrm>
-            <a:prstGeom prst="straightConnector1">
-              <a:avLst/>
-            </a:prstGeom>
-            <a:ln>
-              <a:tailEnd type="triangle"/>
-            </a:ln>
-          </p:spPr>
-          <p:style>
-            <a:lnRef idx="1">
-              <a:schemeClr val="accent1"/>
-            </a:lnRef>
-            <a:fillRef idx="0">
-              <a:schemeClr val="accent1"/>
-            </a:fillRef>
-            <a:effectRef idx="0">
-              <a:schemeClr val="accent1"/>
-            </a:effectRef>
-            <a:fontRef idx="minor">
-              <a:schemeClr val="tx1"/>
-            </a:fontRef>
-          </p:style>
-        </p:cxnSp>
-      </p:grpSp>
-      <p:grpSp>
-        <p:nvGrpSpPr>
           <p:cNvPr id="41" name="그룹 40"/>
           <p:cNvGrpSpPr/>
           <p:nvPr/>
         </p:nvGrpSpPr>
         <p:grpSpPr>
           <a:xfrm>
-            <a:off x="9387121" y="1308098"/>
+            <a:off x="9677406" y="1308098"/>
             <a:ext cx="2336800" cy="1723549"/>
             <a:chOff x="9779000" y="1193800"/>
             <a:chExt cx="2336800" cy="1240337"/>
@@ -4518,7 +4359,7 @@
         </p:nvCxnSpPr>
         <p:spPr>
           <a:xfrm flipH="1" flipV="1">
-            <a:off x="10555521" y="3031647"/>
+            <a:off x="10845806" y="3031647"/>
             <a:ext cx="1957" cy="1702780"/>
           </a:xfrm>
           <a:prstGeom prst="straightConnector1">
@@ -4543,6 +4384,343 @@
           </a:fontRef>
         </p:style>
       </p:cxnSp>
+      <p:grpSp>
+        <p:nvGrpSpPr>
+          <p:cNvPr id="66" name="그룹 65"/>
+          <p:cNvGrpSpPr/>
+          <p:nvPr/>
+        </p:nvGrpSpPr>
+        <p:grpSpPr>
+          <a:xfrm>
+            <a:off x="332049" y="2139097"/>
+            <a:ext cx="1623757" cy="830998"/>
+            <a:chOff x="6997700" y="1193801"/>
+            <a:chExt cx="3035300" cy="704038"/>
+          </a:xfrm>
+        </p:grpSpPr>
+        <p:sp>
+          <p:nvSpPr>
+            <p:cNvPr id="67" name="TextBox 66"/>
+            <p:cNvSpPr txBox="1"/>
+            <p:nvPr/>
+          </p:nvSpPr>
+          <p:spPr>
+            <a:xfrm>
+              <a:off x="6997700" y="1193801"/>
+              <a:ext cx="3035300" cy="704038"/>
+            </a:xfrm>
+            <a:prstGeom prst="rect">
+              <a:avLst/>
+            </a:prstGeom>
+            <a:noFill/>
+            <a:ln>
+              <a:solidFill>
+                <a:schemeClr val="tx1"/>
+              </a:solidFill>
+            </a:ln>
+          </p:spPr>
+          <p:txBody>
+            <a:bodyPr wrap="square" rtlCol="0">
+              <a:spAutoFit/>
+            </a:bodyPr>
+            <a:lstStyle/>
+            <a:p>
+              <a:r>
+                <a:rPr lang="en-US" altLang="ko-KR" sz="2000" smtClean="0"/>
+                <a:t>View</a:t>
+              </a:r>
+            </a:p>
+            <a:p>
+              <a:endParaRPr lang="en-US" altLang="ko-KR" sz="1400"/>
+            </a:p>
+            <a:p>
+              <a:r>
+                <a:rPr lang="en-US" altLang="ko-KR" sz="1400" smtClean="0"/>
+                <a:t>Initpage() …etc</a:t>
+              </a:r>
+              <a:endParaRPr lang="en-US" altLang="ko-KR" sz="1400" smtClean="0"/>
+            </a:p>
+          </p:txBody>
+        </p:sp>
+        <p:cxnSp>
+          <p:nvCxnSpPr>
+            <p:cNvPr id="68" name="직선 연결선 67"/>
+            <p:cNvCxnSpPr/>
+            <p:nvPr/>
+          </p:nvCxnSpPr>
+          <p:spPr>
+            <a:xfrm>
+              <a:off x="6997700" y="1633208"/>
+              <a:ext cx="3035300" cy="0"/>
+            </a:xfrm>
+            <a:prstGeom prst="line">
+              <a:avLst/>
+            </a:prstGeom>
+            <a:ln>
+              <a:solidFill>
+                <a:schemeClr val="tx1"/>
+              </a:solidFill>
+            </a:ln>
+          </p:spPr>
+          <p:style>
+            <a:lnRef idx="1">
+              <a:schemeClr val="accent1"/>
+            </a:lnRef>
+            <a:fillRef idx="0">
+              <a:schemeClr val="accent1"/>
+            </a:fillRef>
+            <a:effectRef idx="0">
+              <a:schemeClr val="accent1"/>
+            </a:effectRef>
+            <a:fontRef idx="minor">
+              <a:schemeClr val="tx1"/>
+            </a:fontRef>
+          </p:style>
+        </p:cxnSp>
+      </p:grpSp>
+      <p:cxnSp>
+        <p:nvCxnSpPr>
+          <p:cNvPr id="54" name="직선 화살표 연결선 53"/>
+          <p:cNvCxnSpPr>
+            <a:stCxn id="89" idx="2"/>
+            <a:endCxn id="67" idx="0"/>
+          </p:cNvCxnSpPr>
+          <p:nvPr/>
+        </p:nvCxnSpPr>
+        <p:spPr>
+          <a:xfrm>
+            <a:off x="1143927" y="1090821"/>
+            <a:ext cx="1" cy="1048276"/>
+          </a:xfrm>
+          <a:prstGeom prst="straightConnector1">
+            <a:avLst/>
+          </a:prstGeom>
+          <a:ln>
+            <a:solidFill>
+              <a:schemeClr val="accent1"/>
+            </a:solidFill>
+            <a:tailEnd type="triangle"/>
+          </a:ln>
+        </p:spPr>
+        <p:style>
+          <a:lnRef idx="1">
+            <a:schemeClr val="accent1"/>
+          </a:lnRef>
+          <a:fillRef idx="0">
+            <a:schemeClr val="accent1"/>
+          </a:fillRef>
+          <a:effectRef idx="0">
+            <a:schemeClr val="accent1"/>
+          </a:effectRef>
+          <a:fontRef idx="minor">
+            <a:schemeClr val="tx1"/>
+          </a:fontRef>
+        </p:style>
+      </p:cxnSp>
+      <p:cxnSp>
+        <p:nvCxnSpPr>
+          <p:cNvPr id="64" name="직선 연결선 63"/>
+          <p:cNvCxnSpPr>
+            <a:stCxn id="94" idx="3"/>
+          </p:cNvCxnSpPr>
+          <p:nvPr/>
+        </p:nvCxnSpPr>
+        <p:spPr>
+          <a:xfrm flipV="1">
+            <a:off x="3557815" y="590504"/>
+            <a:ext cx="3630391" cy="10831"/>
+          </a:xfrm>
+          <a:prstGeom prst="line">
+            <a:avLst/>
+          </a:prstGeom>
+          <a:ln>
+            <a:solidFill>
+              <a:schemeClr val="accent1"/>
+            </a:solidFill>
+          </a:ln>
+        </p:spPr>
+        <p:style>
+          <a:lnRef idx="1">
+            <a:schemeClr val="accent1"/>
+          </a:lnRef>
+          <a:fillRef idx="0">
+            <a:schemeClr val="accent1"/>
+          </a:fillRef>
+          <a:effectRef idx="0">
+            <a:schemeClr val="accent1"/>
+          </a:effectRef>
+          <a:fontRef idx="minor">
+            <a:schemeClr val="tx1"/>
+          </a:fontRef>
+        </p:style>
+      </p:cxnSp>
+      <p:cxnSp>
+        <p:nvCxnSpPr>
+          <p:cNvPr id="69" name="직선 화살표 연결선 68"/>
+          <p:cNvCxnSpPr>
+            <a:endCxn id="4" idx="0"/>
+          </p:cNvCxnSpPr>
+          <p:nvPr/>
+        </p:nvCxnSpPr>
+        <p:spPr>
+          <a:xfrm>
+            <a:off x="7181856" y="601335"/>
+            <a:ext cx="0" cy="706763"/>
+          </a:xfrm>
+          <a:prstGeom prst="straightConnector1">
+            <a:avLst/>
+          </a:prstGeom>
+          <a:ln>
+            <a:solidFill>
+              <a:schemeClr val="accent1"/>
+            </a:solidFill>
+            <a:tailEnd type="triangle"/>
+          </a:ln>
+        </p:spPr>
+        <p:style>
+          <a:lnRef idx="1">
+            <a:schemeClr val="accent1"/>
+          </a:lnRef>
+          <a:fillRef idx="0">
+            <a:schemeClr val="accent1"/>
+          </a:fillRef>
+          <a:effectRef idx="0">
+            <a:schemeClr val="accent1"/>
+          </a:effectRef>
+          <a:fontRef idx="minor">
+            <a:schemeClr val="tx1"/>
+          </a:fontRef>
+        </p:style>
+      </p:cxnSp>
+      <p:sp>
+        <p:nvSpPr>
+          <p:cNvPr id="89" name="다이아몬드 88"/>
+          <p:cNvSpPr/>
+          <p:nvPr/>
+        </p:nvSpPr>
+        <p:spPr>
+          <a:xfrm>
+            <a:off x="997877" y="817729"/>
+            <a:ext cx="292100" cy="273092"/>
+          </a:xfrm>
+          <a:prstGeom prst="diamond">
+            <a:avLst/>
+          </a:prstGeom>
+          <a:solidFill>
+            <a:schemeClr val="bg1"/>
+          </a:solidFill>
+        </p:spPr>
+        <p:style>
+          <a:lnRef idx="2">
+            <a:schemeClr val="accent1">
+              <a:shade val="50000"/>
+            </a:schemeClr>
+          </a:lnRef>
+          <a:fillRef idx="1">
+            <a:schemeClr val="accent1"/>
+          </a:fillRef>
+          <a:effectRef idx="0">
+            <a:schemeClr val="accent1"/>
+          </a:effectRef>
+          <a:fontRef idx="minor">
+            <a:schemeClr val="lt1"/>
+          </a:fontRef>
+        </p:style>
+        <p:txBody>
+          <a:bodyPr rtlCol="0" anchor="ctr"/>
+          <a:lstStyle/>
+          <a:p>
+            <a:pPr algn="ctr"/>
+            <a:endParaRPr lang="ko-KR" altLang="en-US"/>
+          </a:p>
+        </p:txBody>
+      </p:sp>
+      <p:sp>
+        <p:nvSpPr>
+          <p:cNvPr id="91" name="다이아몬드 90"/>
+          <p:cNvSpPr/>
+          <p:nvPr/>
+        </p:nvSpPr>
+        <p:spPr>
+          <a:xfrm>
+            <a:off x="1550359" y="817028"/>
+            <a:ext cx="292100" cy="273092"/>
+          </a:xfrm>
+          <a:prstGeom prst="diamond">
+            <a:avLst/>
+          </a:prstGeom>
+          <a:solidFill>
+            <a:schemeClr val="bg1"/>
+          </a:solidFill>
+        </p:spPr>
+        <p:style>
+          <a:lnRef idx="2">
+            <a:schemeClr val="accent1">
+              <a:shade val="50000"/>
+            </a:schemeClr>
+          </a:lnRef>
+          <a:fillRef idx="1">
+            <a:schemeClr val="accent1"/>
+          </a:fillRef>
+          <a:effectRef idx="0">
+            <a:schemeClr val="accent1"/>
+          </a:effectRef>
+          <a:fontRef idx="minor">
+            <a:schemeClr val="lt1"/>
+          </a:fontRef>
+        </p:style>
+        <p:txBody>
+          <a:bodyPr rtlCol="0" anchor="ctr"/>
+          <a:lstStyle/>
+          <a:p>
+            <a:pPr algn="ctr"/>
+            <a:endParaRPr lang="ko-KR" altLang="en-US"/>
+          </a:p>
+        </p:txBody>
+      </p:sp>
+      <p:sp>
+        <p:nvSpPr>
+          <p:cNvPr id="94" name="다이아몬드 93"/>
+          <p:cNvSpPr/>
+          <p:nvPr/>
+        </p:nvSpPr>
+        <p:spPr>
+          <a:xfrm>
+            <a:off x="3265715" y="464789"/>
+            <a:ext cx="292100" cy="273092"/>
+          </a:xfrm>
+          <a:prstGeom prst="diamond">
+            <a:avLst/>
+          </a:prstGeom>
+          <a:solidFill>
+            <a:schemeClr val="bg1"/>
+          </a:solidFill>
+        </p:spPr>
+        <p:style>
+          <a:lnRef idx="2">
+            <a:schemeClr val="accent1">
+              <a:shade val="50000"/>
+            </a:schemeClr>
+          </a:lnRef>
+          <a:fillRef idx="1">
+            <a:schemeClr val="accent1"/>
+          </a:fillRef>
+          <a:effectRef idx="0">
+            <a:schemeClr val="accent1"/>
+          </a:effectRef>
+          <a:fontRef idx="minor">
+            <a:schemeClr val="lt1"/>
+          </a:fontRef>
+        </p:style>
+        <p:txBody>
+          <a:bodyPr rtlCol="0" anchor="ctr"/>
+          <a:lstStyle/>
+          <a:p>
+            <a:pPr algn="ctr"/>
+            <a:endParaRPr lang="ko-KR" altLang="en-US"/>
+          </a:p>
+        </p:txBody>
+      </p:sp>
     </p:spTree>
     <p:extLst>
       <p:ext uri="{BB962C8B-B14F-4D97-AF65-F5344CB8AC3E}">
@@ -4553,6 +4731,13 @@
   <p:clrMapOvr>
     <a:masterClrMapping/>
   </p:clrMapOvr>
+  <p:timing>
+    <p:tnLst>
+      <p:par>
+        <p:cTn id="1" dur="indefinite" restart="never" nodeType="tmRoot"/>
+      </p:par>
+    </p:tnLst>
+  </p:timing>
 </p:sld>
 </file>
 
